--- a/Regression-Presntation.pptx
+++ b/Regression-Presntation.pptx
@@ -32,22 +32,22 @@
       <p:bold r:id="rId20"/>
     </p:embeddedFont>
     <p:embeddedFont>
-      <p:font typeface="Playfair Display" panose="020B0604020202020204" charset="0"/>
+      <p:font typeface="Playfair Display Bold" panose="020B0604020202020204" charset="0"/>
       <p:regular r:id="rId21"/>
-      <p:bold r:id="rId22"/>
-      <p:italic r:id="rId23"/>
-      <p:boldItalic r:id="rId24"/>
     </p:embeddedFont>
     <p:embeddedFont>
       <p:font typeface="Calibri" panose="020F0502020204030204" pitchFamily="34" charset="0"/>
-      <p:regular r:id="rId25"/>
-      <p:bold r:id="rId26"/>
-      <p:italic r:id="rId27"/>
-      <p:boldItalic r:id="rId28"/>
+      <p:regular r:id="rId22"/>
+      <p:bold r:id="rId23"/>
+      <p:italic r:id="rId24"/>
+      <p:boldItalic r:id="rId25"/>
     </p:embeddedFont>
     <p:embeddedFont>
-      <p:font typeface="Playfair Display Bold" panose="020B0604020202020204" charset="0"/>
-      <p:regular r:id="rId29"/>
+      <p:font typeface="Playfair Display" panose="020B0604020202020204" charset="0"/>
+      <p:regular r:id="rId26"/>
+      <p:bold r:id="rId27"/>
+      <p:italic r:id="rId28"/>
+      <p:boldItalic r:id="rId29"/>
     </p:embeddedFont>
   </p:embeddedFontLst>
   <p:custDataLst>
@@ -150,7 +150,7 @@
   </p:defaultTextStyle>
   <p:extLst>
     <p:ext uri="{EFAFB233-063F-42B5-8137-9DF3F51BA10A}">
-      <p15:sldGuideLst xmlns:p15="http://schemas.microsoft.com/office/powerpoint/2012/main" xmlns="">
+      <p15:sldGuideLst xmlns="" xmlns:p15="http://schemas.microsoft.com/office/powerpoint/2012/main">
         <p15:guide id="1" orient="horz" pos="2160">
           <p15:clr>
             <a:srgbClr val="A4A3A4"/>
@@ -347,7 +347,7 @@
             <a:fld id="{1D8BD707-D9CF-40AE-B4C6-C98DA3205C09}" type="datetimeFigureOut">
               <a:rPr lang="en-US" smtClean="0"/>
               <a:pPr/>
-              <a:t>12/4/2021</a:t>
+              <a:t>12/24/2021</a:t>
             </a:fld>
             <a:endParaRPr lang="en-US"/>
           </a:p>
@@ -512,7 +512,7 @@
             <a:fld id="{1D8BD707-D9CF-40AE-B4C6-C98DA3205C09}" type="datetimeFigureOut">
               <a:rPr lang="en-US" smtClean="0"/>
               <a:pPr/>
-              <a:t>12/4/2021</a:t>
+              <a:t>12/24/2021</a:t>
             </a:fld>
             <a:endParaRPr lang="en-US"/>
           </a:p>
@@ -687,7 +687,7 @@
             <a:fld id="{1D8BD707-D9CF-40AE-B4C6-C98DA3205C09}" type="datetimeFigureOut">
               <a:rPr lang="en-US" smtClean="0"/>
               <a:pPr/>
-              <a:t>12/4/2021</a:t>
+              <a:t>12/24/2021</a:t>
             </a:fld>
             <a:endParaRPr lang="en-US"/>
           </a:p>
@@ -852,7 +852,7 @@
             <a:fld id="{1D8BD707-D9CF-40AE-B4C6-C98DA3205C09}" type="datetimeFigureOut">
               <a:rPr lang="en-US" smtClean="0"/>
               <a:pPr/>
-              <a:t>12/4/2021</a:t>
+              <a:t>12/24/2021</a:t>
             </a:fld>
             <a:endParaRPr lang="en-US"/>
           </a:p>
@@ -1094,7 +1094,7 @@
             <a:fld id="{1D8BD707-D9CF-40AE-B4C6-C98DA3205C09}" type="datetimeFigureOut">
               <a:rPr lang="en-US" smtClean="0"/>
               <a:pPr/>
-              <a:t>12/4/2021</a:t>
+              <a:t>12/24/2021</a:t>
             </a:fld>
             <a:endParaRPr lang="en-US"/>
           </a:p>
@@ -1376,7 +1376,7 @@
             <a:fld id="{1D8BD707-D9CF-40AE-B4C6-C98DA3205C09}" type="datetimeFigureOut">
               <a:rPr lang="en-US" smtClean="0"/>
               <a:pPr/>
-              <a:t>12/4/2021</a:t>
+              <a:t>12/24/2021</a:t>
             </a:fld>
             <a:endParaRPr lang="en-US"/>
           </a:p>
@@ -1792,7 +1792,7 @@
             <a:fld id="{1D8BD707-D9CF-40AE-B4C6-C98DA3205C09}" type="datetimeFigureOut">
               <a:rPr lang="en-US" smtClean="0"/>
               <a:pPr/>
-              <a:t>12/4/2021</a:t>
+              <a:t>12/24/2021</a:t>
             </a:fld>
             <a:endParaRPr lang="en-US"/>
           </a:p>
@@ -1906,7 +1906,7 @@
             <a:fld id="{1D8BD707-D9CF-40AE-B4C6-C98DA3205C09}" type="datetimeFigureOut">
               <a:rPr lang="en-US" smtClean="0"/>
               <a:pPr/>
-              <a:t>12/4/2021</a:t>
+              <a:t>12/24/2021</a:t>
             </a:fld>
             <a:endParaRPr lang="en-US"/>
           </a:p>
@@ -1998,7 +1998,7 @@
             <a:fld id="{1D8BD707-D9CF-40AE-B4C6-C98DA3205C09}" type="datetimeFigureOut">
               <a:rPr lang="en-US" smtClean="0"/>
               <a:pPr/>
-              <a:t>12/4/2021</a:t>
+              <a:t>12/24/2021</a:t>
             </a:fld>
             <a:endParaRPr lang="en-US"/>
           </a:p>
@@ -2277,7 +2277,7 @@
             <a:fld id="{1D8BD707-D9CF-40AE-B4C6-C98DA3205C09}" type="datetimeFigureOut">
               <a:rPr lang="en-US" smtClean="0"/>
               <a:pPr/>
-              <a:t>12/4/2021</a:t>
+              <a:t>12/24/2021</a:t>
             </a:fld>
             <a:endParaRPr lang="en-US"/>
           </a:p>
@@ -2526,7 +2526,7 @@
             <a:fld id="{1D8BD707-D9CF-40AE-B4C6-C98DA3205C09}" type="datetimeFigureOut">
               <a:rPr lang="en-US" smtClean="0"/>
               <a:pPr/>
-              <a:t>12/4/2021</a:t>
+              <a:t>12/24/2021</a:t>
             </a:fld>
             <a:endParaRPr lang="en-US"/>
           </a:p>
@@ -2737,7 +2737,7 @@
             <a:fld id="{1D8BD707-D9CF-40AE-B4C6-C98DA3205C09}" type="datetimeFigureOut">
               <a:rPr lang="en-US" smtClean="0"/>
               <a:pPr/>
-              <a:t>12/4/2021</a:t>
+              <a:t>12/24/2021</a:t>
             </a:fld>
             <a:endParaRPr lang="en-US"/>
           </a:p>
@@ -3898,14 +3898,27 @@
                 </a:solidFill>
                 <a:latin typeface="Playfair Display"/>
               </a:rPr>
-              <a:t>Decision Tree Regression</a:t>
-            </a:r>
-            <a:endParaRPr lang="en-US" sz="3000" dirty="0">
-              <a:solidFill>
-                <a:srgbClr val="000000"/>
-              </a:solidFill>
-              <a:latin typeface="Playfair Display"/>
-            </a:endParaRPr>
+              <a:t>Decision </a:t>
+            </a:r>
+            <a:r>
+              <a:rPr lang="en-US" sz="3000" dirty="0" smtClean="0">
+                <a:solidFill>
+                  <a:srgbClr val="000000"/>
+                </a:solidFill>
+                <a:latin typeface="Playfair Display"/>
+              </a:rPr>
+              <a:t>Tree </a:t>
+            </a:r>
+            <a:r>
+              <a:rPr lang="en-US" sz="3000" dirty="0" err="1" smtClean="0">
+                <a:solidFill>
+                  <a:srgbClr val="000000"/>
+                </a:solidFill>
+                <a:latin typeface="Playfair Display"/>
+              </a:rPr>
+              <a:t>Regressor</a:t>
+            </a:r>
+            <a:endParaRPr lang="en-US" sz="3200" dirty="0"/>
           </a:p>
         </p:txBody>
       </p:sp>
@@ -3924,7 +3937,7 @@
                 <a14:useLocalDpi xmlns:a14="http://schemas.microsoft.com/office/drawing/2010/main" val="0"/>
               </a:ext>
               <a:ext uri="{96DAC541-7B7A-43D3-8B79-37D633B846F1}">
-                <asvg:svgBlip xmlns:asvg="http://schemas.microsoft.com/office/drawing/2016/SVG/main" xmlns="" r:embed="rId4"/>
+                <asvg:svgBlip xmlns="" xmlns:asvg="http://schemas.microsoft.com/office/drawing/2016/SVG/main" r:embed="rId4"/>
               </a:ext>
             </a:extLst>
           </a:blip>
@@ -4059,7 +4072,7 @@
           <p:nvPr>
             <p:extLst>
               <p:ext uri="{D42A27DB-BD31-4B8C-83A1-F6EECF244321}">
-                <p14:modId xmlns:p14="http://schemas.microsoft.com/office/powerpoint/2010/main" val="2307735470"/>
+                <p14:modId xmlns:p14="http://schemas.microsoft.com/office/powerpoint/2010/main" val="3952682425"/>
               </p:ext>
             </p:extLst>
           </p:nvPr>
@@ -4194,7 +4207,7 @@
                       <a:pPr algn="ctr"/>
                       <a:r>
                         <a:rPr lang="en-US" sz="2800" dirty="0" smtClean="0"/>
-                        <a:t>0.9451</a:t>
+                        <a:t>0.9449</a:t>
                       </a:r>
                       <a:endParaRPr lang="en-US" sz="2800" dirty="0"/>
                     </a:p>
@@ -4321,7 +4334,7 @@
                       <a:pPr algn="ctr"/>
                       <a:r>
                         <a:rPr lang="en-US" sz="2800" dirty="0" smtClean="0"/>
-                        <a:t>0.9447</a:t>
+                        <a:t>0.9440</a:t>
                       </a:r>
                       <a:endParaRPr lang="en-US" sz="2800" dirty="0"/>
                     </a:p>
@@ -4336,7 +4349,7 @@
                       <a:pPr algn="ctr"/>
                       <a:r>
                         <a:rPr lang="en-US" sz="2800" dirty="0" smtClean="0"/>
-                        <a:t>0.9452</a:t>
+                        <a:t>0.9446</a:t>
                       </a:r>
                       <a:endParaRPr lang="en-US" sz="2800" dirty="0"/>
                     </a:p>
@@ -5302,7 +5315,7 @@
                 <a14:useLocalDpi xmlns:a14="http://schemas.microsoft.com/office/drawing/2010/main" val="0"/>
               </a:ext>
               <a:ext uri="{96DAC541-7B7A-43D3-8B79-37D633B846F1}">
-                <asvg:svgBlip xmlns:asvg="http://schemas.microsoft.com/office/drawing/2016/SVG/main" xmlns="" r:embed="rId4"/>
+                <asvg:svgBlip xmlns="" xmlns:asvg="http://schemas.microsoft.com/office/drawing/2016/SVG/main" r:embed="rId4"/>
               </a:ext>
             </a:extLst>
           </a:blip>
@@ -5408,7 +5421,7 @@
           <p:cNvPr id="4" name="Picture 2">
             <a:extLst>
               <a:ext uri="{FF2B5EF4-FFF2-40B4-BE49-F238E27FC236}">
-                <a16:creationId xmlns:a16="http://schemas.microsoft.com/office/drawing/2014/main" xmlns="" id="{7D6D1FD0-01DB-4931-8367-3312A50C0465}"/>
+                <a16:creationId xmlns="" xmlns:a16="http://schemas.microsoft.com/office/drawing/2014/main" id="{7D6D1FD0-01DB-4931-8367-3312A50C0465}"/>
               </a:ext>
             </a:extLst>
           </p:cNvPr>
@@ -5556,7 +5569,7 @@
           <p:cNvPr id="4" name="Picture 2">
             <a:extLst>
               <a:ext uri="{FF2B5EF4-FFF2-40B4-BE49-F238E27FC236}">
-                <a16:creationId xmlns:a16="http://schemas.microsoft.com/office/drawing/2014/main" xmlns="" id="{7D6D1FD0-01DB-4931-8367-3312A50C0465}"/>
+                <a16:creationId xmlns="" xmlns:a16="http://schemas.microsoft.com/office/drawing/2014/main" id="{7D6D1FD0-01DB-4931-8367-3312A50C0465}"/>
               </a:ext>
             </a:extLst>
           </p:cNvPr>
@@ -5673,7 +5686,7 @@
                 <a14:useLocalDpi xmlns:a14="http://schemas.microsoft.com/office/drawing/2010/main" val="0"/>
               </a:ext>
               <a:ext uri="{96DAC541-7B7A-43D3-8B79-37D633B846F1}">
-                <asvg:svgBlip xmlns:asvg="http://schemas.microsoft.com/office/drawing/2016/SVG/main" xmlns="" r:embed="rId4"/>
+                <asvg:svgBlip xmlns="" xmlns:asvg="http://schemas.microsoft.com/office/drawing/2016/SVG/main" r:embed="rId4"/>
               </a:ext>
             </a:extLst>
           </a:blip>
@@ -7494,7 +7507,7 @@
                 <a14:useLocalDpi xmlns:a14="http://schemas.microsoft.com/office/drawing/2010/main" val="0"/>
               </a:ext>
               <a:ext uri="{96DAC541-7B7A-43D3-8B79-37D633B846F1}">
-                <asvg:svgBlip xmlns:asvg="http://schemas.microsoft.com/office/drawing/2016/SVG/main" xmlns="" r:embed="rId4"/>
+                <asvg:svgBlip xmlns="" xmlns:asvg="http://schemas.microsoft.com/office/drawing/2016/SVG/main" r:embed="rId4"/>
               </a:ext>
             </a:extLst>
           </a:blip>
@@ -8428,7 +8441,7 @@
                 <a14:useLocalDpi xmlns:a14="http://schemas.microsoft.com/office/drawing/2010/main" val="0"/>
               </a:ext>
               <a:ext uri="{96DAC541-7B7A-43D3-8B79-37D633B846F1}">
-                <asvg:svgBlip xmlns:asvg="http://schemas.microsoft.com/office/drawing/2016/SVG/main" xmlns="" r:embed="rId3"/>
+                <asvg:svgBlip xmlns="" xmlns:asvg="http://schemas.microsoft.com/office/drawing/2016/SVG/main" r:embed="rId3"/>
               </a:ext>
             </a:extLst>
           </a:blip>
@@ -8828,7 +8841,7 @@
                 <a14:useLocalDpi xmlns:a14="http://schemas.microsoft.com/office/drawing/2010/main" val="0"/>
               </a:ext>
               <a:ext uri="{96DAC541-7B7A-43D3-8B79-37D633B846F1}">
-                <asvg:svgBlip xmlns:asvg="http://schemas.microsoft.com/office/drawing/2016/SVG/main" xmlns="" r:embed="rId4"/>
+                <asvg:svgBlip xmlns="" xmlns:asvg="http://schemas.microsoft.com/office/drawing/2016/SVG/main" r:embed="rId4"/>
               </a:ext>
             </a:extLst>
           </a:blip>
